--- a/lectures/20 - Containers.pptx
+++ b/lectures/20 - Containers.pptx
@@ -19,10 +19,10 @@
     <p:sldId id="291" r:id="rId10"/>
     <p:sldId id="278" r:id="rId11"/>
     <p:sldId id="279" r:id="rId12"/>
-    <p:sldId id="285" r:id="rId13"/>
-    <p:sldId id="295" r:id="rId14"/>
-    <p:sldId id="296" r:id="rId15"/>
-    <p:sldId id="280" r:id="rId16"/>
+    <p:sldId id="280" r:id="rId13"/>
+    <p:sldId id="285" r:id="rId14"/>
+    <p:sldId id="295" r:id="rId15"/>
+    <p:sldId id="296" r:id="rId16"/>
     <p:sldId id="282" r:id="rId17"/>
     <p:sldId id="283" r:id="rId18"/>
     <p:sldId id="284" r:id="rId19"/>
@@ -160,10 +160,6 @@
 </p:cmAuthorLst>
 </file>
 
-<file path=ppt/revisionInfo.xml><?xml version="1.0" encoding="utf-8"?>
-<p1510:revInfo xmlns:a="http://schemas.openxmlformats.org/drawingml/2006/main" xmlns:r="http://schemas.openxmlformats.org/officeDocument/2006/relationships" xmlns:p1510="http://schemas.microsoft.com/office/powerpoint/2015/10/main"/>
-</file>
-
 <file path=ppt/notesMasters/notesMaster1.xml><?xml version="1.0" encoding="utf-8"?>
 <p:notesMaster xmlns:a="http://schemas.openxmlformats.org/drawingml/2006/main" xmlns:r="http://schemas.openxmlformats.org/officeDocument/2006/relationships" xmlns:p="http://schemas.openxmlformats.org/presentationml/2006/main">
   <p:cSld>
@@ -246,7 +242,7 @@
           <a:p>
             <a:fld id="{342B7141-E22B-4746-95A6-E55A464BAE5F}" type="datetimeFigureOut">
               <a:rPr lang="en-US" smtClean="0"/>
-              <a:t>29-Nov-17</a:t>
+              <a:t>26-Apr-18</a:t>
             </a:fld>
             <a:endParaRPr lang="en-US"/>
           </a:p>
@@ -732,14 +728,14 @@
           <a:ln/>
           <a:extLst>
             <a:ext uri="{909E8E84-426E-40dd-AFC4-6F175D3DCCD1}">
-              <a14:hiddenFill xmlns:a14="http://schemas.microsoft.com/office/drawing/2010/main" xmlns="">
+              <a14:hiddenFill xmlns="" xmlns:a14="http://schemas.microsoft.com/office/drawing/2010/main">
                 <a:solidFill>
                   <a:srgbClr val="FFFFFF"/>
                 </a:solidFill>
               </a14:hiddenFill>
             </a:ext>
             <a:ext uri="{91240B29-F687-4f45-9708-019B960494DF}">
-              <a14:hiddenLine xmlns:a14="http://schemas.microsoft.com/office/drawing/2010/main" xmlns="" w="9525">
+              <a14:hiddenLine xmlns="" xmlns:a14="http://schemas.microsoft.com/office/drawing/2010/main" w="9525">
                 <a:solidFill>
                   <a:srgbClr val="000000"/>
                 </a:solidFill>
@@ -749,7 +745,7 @@
               </a14:hiddenLine>
             </a:ext>
             <a:ext uri="{FAA26D3D-D897-4be2-8F04-BA451C77F1D7}">
-              <ma14:placeholderFlag xmlns:ma14="http://schemas.microsoft.com/office/mac/drawingml/2011/main" xmlns="" val="1"/>
+              <ma14:placeholderFlag xmlns="" xmlns:ma14="http://schemas.microsoft.com/office/mac/drawingml/2011/main" val="1"/>
             </a:ext>
           </a:extLst>
         </p:spPr>
@@ -778,14 +774,14 @@
           <a:ln/>
           <a:extLst>
             <a:ext uri="{909E8E84-426E-40dd-AFC4-6F175D3DCCD1}">
-              <a14:hiddenFill xmlns:a14="http://schemas.microsoft.com/office/drawing/2010/main" xmlns="">
+              <a14:hiddenFill xmlns="" xmlns:a14="http://schemas.microsoft.com/office/drawing/2010/main">
                 <a:solidFill>
                   <a:srgbClr val="FFFFFF"/>
                 </a:solidFill>
               </a14:hiddenFill>
             </a:ext>
             <a:ext uri="{91240B29-F687-4f45-9708-019B960494DF}">
-              <a14:hiddenLine xmlns:a14="http://schemas.microsoft.com/office/drawing/2010/main" xmlns="" w="9525">
+              <a14:hiddenLine xmlns="" xmlns:a14="http://schemas.microsoft.com/office/drawing/2010/main" w="9525">
                 <a:solidFill>
                   <a:srgbClr val="000000"/>
                 </a:solidFill>
@@ -1622,7 +1618,7 @@
             <a:fld id="{8DF9E8F3-4849-FA48-B4C8-2D894E979956}" type="datetimeFigureOut">
               <a:rPr lang="en-US" noProof="0" smtClean="0"/>
               <a:pPr/>
-              <a:t>29-Nov-17</a:t>
+              <a:t>26-Apr-18</a:t>
             </a:fld>
             <a:endParaRPr lang="en-US" noProof="0"/>
           </a:p>
@@ -1822,7 +1818,7 @@
             <a:fld id="{8DF9E8F3-4849-FA48-B4C8-2D894E979956}" type="datetimeFigureOut">
               <a:rPr lang="en-US" noProof="0" smtClean="0"/>
               <a:pPr/>
-              <a:t>29-Nov-17</a:t>
+              <a:t>26-Apr-18</a:t>
             </a:fld>
             <a:endParaRPr lang="en-US" noProof="0"/>
           </a:p>
@@ -2022,7 +2018,7 @@
             <a:fld id="{8DF9E8F3-4849-FA48-B4C8-2D894E979956}" type="datetimeFigureOut">
               <a:rPr lang="en-US" noProof="0" smtClean="0"/>
               <a:pPr/>
-              <a:t>29-Nov-17</a:t>
+              <a:t>26-Apr-18</a:t>
             </a:fld>
             <a:endParaRPr lang="en-US" noProof="0"/>
           </a:p>
@@ -2172,7 +2168,7 @@
             <a:fld id="{8DF9E8F3-4849-FA48-B4C8-2D894E979956}" type="datetimeFigureOut">
               <a:rPr lang="en-US" noProof="0" smtClean="0"/>
               <a:pPr/>
-              <a:t>29-Nov-17</a:t>
+              <a:t>26-Apr-18</a:t>
             </a:fld>
             <a:endParaRPr lang="en-US" noProof="0"/>
           </a:p>
@@ -2264,7 +2260,7 @@
             <a:fld id="{8DF9E8F3-4849-FA48-B4C8-2D894E979956}" type="datetimeFigureOut">
               <a:rPr lang="en-US" noProof="0" smtClean="0"/>
               <a:pPr/>
-              <a:t>29-Nov-17</a:t>
+              <a:t>26-Apr-18</a:t>
             </a:fld>
             <a:endParaRPr lang="en-US" noProof="0"/>
           </a:p>
@@ -2978,7 +2974,7 @@
           <a:p>
             <a:fld id="{8F9B17A7-2136-344E-BCA2-C865C6895E70}" type="datetimeFigureOut">
               <a:rPr lang="en-US" smtClean="0"/>
-              <a:t>29-Nov-17</a:t>
+              <a:t>26-Apr-18</a:t>
             </a:fld>
             <a:endParaRPr lang="en-US"/>
           </a:p>
@@ -3211,14 +3207,14 @@
           </a:ln>
           <a:extLst>
             <a:ext uri="{909E8E84-426E-40dd-AFC4-6F175D3DCCD1}">
-              <a14:hiddenFill xmlns:a14="http://schemas.microsoft.com/office/drawing/2010/main" xmlns="">
+              <a14:hiddenFill xmlns="" xmlns:a14="http://schemas.microsoft.com/office/drawing/2010/main">
                 <a:solidFill>
                   <a:srgbClr val="FFFFFF"/>
                 </a:solidFill>
               </a14:hiddenFill>
             </a:ext>
             <a:ext uri="{91240B29-F687-4f45-9708-019B960494DF}">
-              <a14:hiddenLine xmlns:a14="http://schemas.microsoft.com/office/drawing/2010/main" xmlns="" w="9525">
+              <a14:hiddenLine xmlns="" xmlns:a14="http://schemas.microsoft.com/office/drawing/2010/main" w="9525">
                 <a:solidFill>
                   <a:srgbClr val="000000"/>
                 </a:solidFill>
@@ -3265,14 +3261,14 @@
           </a:ln>
           <a:extLst>
             <a:ext uri="{909E8E84-426E-40dd-AFC4-6F175D3DCCD1}">
-              <a14:hiddenFill xmlns:a14="http://schemas.microsoft.com/office/drawing/2010/main" xmlns="">
+              <a14:hiddenFill xmlns="" xmlns:a14="http://schemas.microsoft.com/office/drawing/2010/main">
                 <a:solidFill>
                   <a:srgbClr val="FFFFFF"/>
                 </a:solidFill>
               </a14:hiddenFill>
             </a:ext>
             <a:ext uri="{91240B29-F687-4f45-9708-019B960494DF}">
-              <a14:hiddenLine xmlns:a14="http://schemas.microsoft.com/office/drawing/2010/main" xmlns="" w="9525">
+              <a14:hiddenLine xmlns="" xmlns:a14="http://schemas.microsoft.com/office/drawing/2010/main" w="9525">
                 <a:solidFill>
                   <a:srgbClr val="000000"/>
                 </a:solidFill>
@@ -3593,7 +3589,7 @@
             <a:fld id="{8DF9E8F3-4849-FA48-B4C8-2D894E979956}" type="datetimeFigureOut">
               <a:rPr lang="nn-NO" smtClean="0"/>
               <a:pPr/>
-              <a:t>29.11.2017</a:t>
+              <a:t>26.04.2018</a:t>
             </a:fld>
             <a:endParaRPr lang="nn-NO" dirty="0"/>
           </a:p>
@@ -4503,14 +4499,14 @@
           </a:ln>
           <a:extLst>
             <a:ext uri="{909E8E84-426E-40dd-AFC4-6F175D3DCCD1}">
-              <a14:hiddenFill xmlns="" xmlns:a14="http://schemas.microsoft.com/office/drawing/2010/main">
+              <a14:hiddenFill xmlns:a14="http://schemas.microsoft.com/office/drawing/2010/main" xmlns="">
                 <a:solidFill>
                   <a:srgbClr val="FFFFFF"/>
                 </a:solidFill>
               </a14:hiddenFill>
             </a:ext>
             <a:ext uri="{91240B29-F687-4f45-9708-019B960494DF}">
-              <a14:hiddenLine xmlns="" xmlns:a14="http://schemas.microsoft.com/office/drawing/2010/main" w="9525">
+              <a14:hiddenLine xmlns:a14="http://schemas.microsoft.com/office/drawing/2010/main" xmlns="" w="9525">
                 <a:solidFill>
                   <a:srgbClr val="000000"/>
                 </a:solidFill>
@@ -4645,14 +4641,14 @@
           </a:ln>
           <a:extLst>
             <a:ext uri="{909E8E84-426E-40dd-AFC4-6F175D3DCCD1}">
-              <a14:hiddenFill xmlns:a14="http://schemas.microsoft.com/office/drawing/2010/main" xmlns="">
+              <a14:hiddenFill xmlns="" xmlns:a14="http://schemas.microsoft.com/office/drawing/2010/main">
                 <a:solidFill>
                   <a:srgbClr val="FFFFFF"/>
                 </a:solidFill>
               </a14:hiddenFill>
             </a:ext>
             <a:ext uri="{91240B29-F687-4f45-9708-019B960494DF}">
-              <a14:hiddenLine xmlns:a14="http://schemas.microsoft.com/office/drawing/2010/main" xmlns="" w="9525">
+              <a14:hiddenLine xmlns="" xmlns:a14="http://schemas.microsoft.com/office/drawing/2010/main" w="9525">
                 <a:solidFill>
                   <a:srgbClr val="000000"/>
                 </a:solidFill>
@@ -4849,14 +4845,14 @@
           </a:ln>
           <a:extLst>
             <a:ext uri="{909E8E84-426E-40dd-AFC4-6F175D3DCCD1}">
-              <a14:hiddenFill xmlns:a14="http://schemas.microsoft.com/office/drawing/2010/main" xmlns="">
+              <a14:hiddenFill xmlns="" xmlns:a14="http://schemas.microsoft.com/office/drawing/2010/main">
                 <a:solidFill>
                   <a:srgbClr val="FFFFFF"/>
                 </a:solidFill>
               </a14:hiddenFill>
             </a:ext>
             <a:ext uri="{91240B29-F687-4f45-9708-019B960494DF}">
-              <a14:hiddenLine xmlns:a14="http://schemas.microsoft.com/office/drawing/2010/main" xmlns="" w="9525">
+              <a14:hiddenLine xmlns="" xmlns:a14="http://schemas.microsoft.com/office/drawing/2010/main" w="9525">
                 <a:solidFill>
                   <a:srgbClr val="000000"/>
                 </a:solidFill>
@@ -4903,14 +4899,14 @@
           </a:ln>
           <a:extLst>
             <a:ext uri="{909E8E84-426E-40dd-AFC4-6F175D3DCCD1}">
-              <a14:hiddenFill xmlns:a14="http://schemas.microsoft.com/office/drawing/2010/main" xmlns="">
+              <a14:hiddenFill xmlns="" xmlns:a14="http://schemas.microsoft.com/office/drawing/2010/main">
                 <a:solidFill>
                   <a:srgbClr val="FFFFFF"/>
                 </a:solidFill>
               </a14:hiddenFill>
             </a:ext>
             <a:ext uri="{91240B29-F687-4f45-9708-019B960494DF}">
-              <a14:hiddenLine xmlns:a14="http://schemas.microsoft.com/office/drawing/2010/main" xmlns="" w="9525">
+              <a14:hiddenLine xmlns="" xmlns:a14="http://schemas.microsoft.com/office/drawing/2010/main" w="9525">
                 <a:solidFill>
                   <a:srgbClr val="000000"/>
                 </a:solidFill>
@@ -4957,14 +4953,14 @@
           </a:ln>
           <a:extLst>
             <a:ext uri="{909E8E84-426E-40dd-AFC4-6F175D3DCCD1}">
-              <a14:hiddenFill xmlns:a14="http://schemas.microsoft.com/office/drawing/2010/main" xmlns="">
+              <a14:hiddenFill xmlns="" xmlns:a14="http://schemas.microsoft.com/office/drawing/2010/main">
                 <a:solidFill>
                   <a:srgbClr val="FFFFFF"/>
                 </a:solidFill>
               </a14:hiddenFill>
             </a:ext>
             <a:ext uri="{91240B29-F687-4f45-9708-019B960494DF}">
-              <a14:hiddenLine xmlns:a14="http://schemas.microsoft.com/office/drawing/2010/main" xmlns="" w="9525">
+              <a14:hiddenLine xmlns="" xmlns:a14="http://schemas.microsoft.com/office/drawing/2010/main" w="9525">
                 <a:solidFill>
                   <a:srgbClr val="000000"/>
                 </a:solidFill>
@@ -5011,14 +5007,14 @@
           </a:ln>
           <a:extLst>
             <a:ext uri="{909E8E84-426E-40dd-AFC4-6F175D3DCCD1}">
-              <a14:hiddenFill xmlns:a14="http://schemas.microsoft.com/office/drawing/2010/main" xmlns="">
+              <a14:hiddenFill xmlns="" xmlns:a14="http://schemas.microsoft.com/office/drawing/2010/main">
                 <a:solidFill>
                   <a:srgbClr val="FFFFFF"/>
                 </a:solidFill>
               </a14:hiddenFill>
             </a:ext>
             <a:ext uri="{91240B29-F687-4f45-9708-019B960494DF}">
-              <a14:hiddenLine xmlns:a14="http://schemas.microsoft.com/office/drawing/2010/main" xmlns="" w="9525">
+              <a14:hiddenLine xmlns="" xmlns:a14="http://schemas.microsoft.com/office/drawing/2010/main" w="9525">
                 <a:solidFill>
                   <a:srgbClr val="000000"/>
                 </a:solidFill>
@@ -5065,14 +5061,14 @@
           </a:ln>
           <a:extLst>
             <a:ext uri="{909E8E84-426E-40dd-AFC4-6F175D3DCCD1}">
-              <a14:hiddenFill xmlns:a14="http://schemas.microsoft.com/office/drawing/2010/main" xmlns="">
+              <a14:hiddenFill xmlns="" xmlns:a14="http://schemas.microsoft.com/office/drawing/2010/main">
                 <a:solidFill>
                   <a:srgbClr val="FFFFFF"/>
                 </a:solidFill>
               </a14:hiddenFill>
             </a:ext>
             <a:ext uri="{91240B29-F687-4f45-9708-019B960494DF}">
-              <a14:hiddenLine xmlns:a14="http://schemas.microsoft.com/office/drawing/2010/main" xmlns="" w="9525">
+              <a14:hiddenLine xmlns="" xmlns:a14="http://schemas.microsoft.com/office/drawing/2010/main" w="9525">
                 <a:solidFill>
                   <a:srgbClr val="000000"/>
                 </a:solidFill>
@@ -5146,14 +5142,14 @@
           </a:ln>
           <a:extLst>
             <a:ext uri="{909E8E84-426E-40dd-AFC4-6F175D3DCCD1}">
-              <a14:hiddenFill xmlns:a14="http://schemas.microsoft.com/office/drawing/2010/main" xmlns="">
+              <a14:hiddenFill xmlns="" xmlns:a14="http://schemas.microsoft.com/office/drawing/2010/main">
                 <a:solidFill>
                   <a:srgbClr val="FFFFFF"/>
                 </a:solidFill>
               </a14:hiddenFill>
             </a:ext>
             <a:ext uri="{91240B29-F687-4f45-9708-019B960494DF}">
-              <a14:hiddenLine xmlns:a14="http://schemas.microsoft.com/office/drawing/2010/main" xmlns="" w="9525">
+              <a14:hiddenLine xmlns="" xmlns:a14="http://schemas.microsoft.com/office/drawing/2010/main" w="9525">
                 <a:solidFill>
                   <a:srgbClr val="000000"/>
                 </a:solidFill>
@@ -5228,14 +5224,14 @@
           </a:ln>
           <a:extLst>
             <a:ext uri="{909E8E84-426E-40dd-AFC4-6F175D3DCCD1}">
-              <a14:hiddenFill xmlns:a14="http://schemas.microsoft.com/office/drawing/2010/main" xmlns="">
+              <a14:hiddenFill xmlns="" xmlns:a14="http://schemas.microsoft.com/office/drawing/2010/main">
                 <a:solidFill>
                   <a:srgbClr val="FFFFFF"/>
                 </a:solidFill>
               </a14:hiddenFill>
             </a:ext>
             <a:ext uri="{91240B29-F687-4f45-9708-019B960494DF}">
-              <a14:hiddenLine xmlns:a14="http://schemas.microsoft.com/office/drawing/2010/main" xmlns="" w="9525">
+              <a14:hiddenLine xmlns="" xmlns:a14="http://schemas.microsoft.com/office/drawing/2010/main" w="9525">
                 <a:solidFill>
                   <a:srgbClr val="000000"/>
                 </a:solidFill>
@@ -5282,14 +5278,14 @@
           </a:ln>
           <a:extLst>
             <a:ext uri="{909E8E84-426E-40dd-AFC4-6F175D3DCCD1}">
-              <a14:hiddenFill xmlns:a14="http://schemas.microsoft.com/office/drawing/2010/main" xmlns="">
+              <a14:hiddenFill xmlns="" xmlns:a14="http://schemas.microsoft.com/office/drawing/2010/main">
                 <a:solidFill>
                   <a:srgbClr val="FFFFFF"/>
                 </a:solidFill>
               </a14:hiddenFill>
             </a:ext>
             <a:ext uri="{91240B29-F687-4f45-9708-019B960494DF}">
-              <a14:hiddenLine xmlns:a14="http://schemas.microsoft.com/office/drawing/2010/main" xmlns="" w="9525">
+              <a14:hiddenLine xmlns="" xmlns:a14="http://schemas.microsoft.com/office/drawing/2010/main" w="9525">
                 <a:solidFill>
                   <a:srgbClr val="000000"/>
                 </a:solidFill>
@@ -5336,14 +5332,14 @@
           </a:ln>
           <a:extLst>
             <a:ext uri="{909E8E84-426E-40dd-AFC4-6F175D3DCCD1}">
-              <a14:hiddenFill xmlns:a14="http://schemas.microsoft.com/office/drawing/2010/main" xmlns="">
+              <a14:hiddenFill xmlns="" xmlns:a14="http://schemas.microsoft.com/office/drawing/2010/main">
                 <a:solidFill>
                   <a:srgbClr val="FFFFFF"/>
                 </a:solidFill>
               </a14:hiddenFill>
             </a:ext>
             <a:ext uri="{91240B29-F687-4f45-9708-019B960494DF}">
-              <a14:hiddenLine xmlns:a14="http://schemas.microsoft.com/office/drawing/2010/main" xmlns="" w="9525">
+              <a14:hiddenLine xmlns="" xmlns:a14="http://schemas.microsoft.com/office/drawing/2010/main" w="9525">
                 <a:solidFill>
                   <a:srgbClr val="000000"/>
                 </a:solidFill>
@@ -5390,14 +5386,14 @@
           </a:ln>
           <a:extLst>
             <a:ext uri="{909E8E84-426E-40dd-AFC4-6F175D3DCCD1}">
-              <a14:hiddenFill xmlns:a14="http://schemas.microsoft.com/office/drawing/2010/main" xmlns="">
+              <a14:hiddenFill xmlns="" xmlns:a14="http://schemas.microsoft.com/office/drawing/2010/main">
                 <a:solidFill>
                   <a:srgbClr val="FFFFFF"/>
                 </a:solidFill>
               </a14:hiddenFill>
             </a:ext>
             <a:ext uri="{91240B29-F687-4f45-9708-019B960494DF}">
-              <a14:hiddenLine xmlns:a14="http://schemas.microsoft.com/office/drawing/2010/main" xmlns="" w="9525">
+              <a14:hiddenLine xmlns="" xmlns:a14="http://schemas.microsoft.com/office/drawing/2010/main" w="9525">
                 <a:solidFill>
                   <a:srgbClr val="000000"/>
                 </a:solidFill>
@@ -5431,14 +5427,14 @@
           </a:ln>
           <a:extLst>
             <a:ext uri="{909E8E84-426E-40dd-AFC4-6F175D3DCCD1}">
-              <a14:hiddenFill xmlns:a14="http://schemas.microsoft.com/office/drawing/2010/main" xmlns="">
+              <a14:hiddenFill xmlns="" xmlns:a14="http://schemas.microsoft.com/office/drawing/2010/main">
                 <a:solidFill>
                   <a:srgbClr val="FFFFFF"/>
                 </a:solidFill>
               </a14:hiddenFill>
             </a:ext>
             <a:ext uri="{91240B29-F687-4f45-9708-019B960494DF}">
-              <a14:hiddenLine xmlns:a14="http://schemas.microsoft.com/office/drawing/2010/main" xmlns="" w="9525">
+              <a14:hiddenLine xmlns="" xmlns:a14="http://schemas.microsoft.com/office/drawing/2010/main" w="9525">
                 <a:solidFill>
                   <a:srgbClr val="000000"/>
                 </a:solidFill>
@@ -5505,14 +5501,14 @@
           </a:ln>
           <a:extLst>
             <a:ext uri="{909E8E84-426E-40dd-AFC4-6F175D3DCCD1}">
-              <a14:hiddenFill xmlns:a14="http://schemas.microsoft.com/office/drawing/2010/main" xmlns="">
+              <a14:hiddenFill xmlns="" xmlns:a14="http://schemas.microsoft.com/office/drawing/2010/main">
                 <a:solidFill>
                   <a:srgbClr val="FFFFFF"/>
                 </a:solidFill>
               </a14:hiddenFill>
             </a:ext>
             <a:ext uri="{91240B29-F687-4f45-9708-019B960494DF}">
-              <a14:hiddenLine xmlns:a14="http://schemas.microsoft.com/office/drawing/2010/main" xmlns="" w="9525">
+              <a14:hiddenLine xmlns="" xmlns:a14="http://schemas.microsoft.com/office/drawing/2010/main" w="9525">
                 <a:solidFill>
                   <a:srgbClr val="000000"/>
                 </a:solidFill>
@@ -5569,14 +5565,14 @@
           </a:ln>
           <a:extLst>
             <a:ext uri="{909E8E84-426E-40dd-AFC4-6F175D3DCCD1}">
-              <a14:hiddenFill xmlns:a14="http://schemas.microsoft.com/office/drawing/2010/main" xmlns="">
+              <a14:hiddenFill xmlns="" xmlns:a14="http://schemas.microsoft.com/office/drawing/2010/main">
                 <a:solidFill>
                   <a:srgbClr val="FFFFFF"/>
                 </a:solidFill>
               </a14:hiddenFill>
             </a:ext>
             <a:ext uri="{91240B29-F687-4f45-9708-019B960494DF}">
-              <a14:hiddenLine xmlns:a14="http://schemas.microsoft.com/office/drawing/2010/main" xmlns="" w="9525">
+              <a14:hiddenLine xmlns="" xmlns:a14="http://schemas.microsoft.com/office/drawing/2010/main" w="9525">
                 <a:solidFill>
                   <a:srgbClr val="000000"/>
                 </a:solidFill>
@@ -5633,14 +5629,14 @@
           </a:ln>
           <a:extLst>
             <a:ext uri="{909E8E84-426E-40dd-AFC4-6F175D3DCCD1}">
-              <a14:hiddenFill xmlns:a14="http://schemas.microsoft.com/office/drawing/2010/main" xmlns="">
+              <a14:hiddenFill xmlns="" xmlns:a14="http://schemas.microsoft.com/office/drawing/2010/main">
                 <a:solidFill>
                   <a:srgbClr val="FFFFFF"/>
                 </a:solidFill>
               </a14:hiddenFill>
             </a:ext>
             <a:ext uri="{91240B29-F687-4f45-9708-019B960494DF}">
-              <a14:hiddenLine xmlns:a14="http://schemas.microsoft.com/office/drawing/2010/main" xmlns="" w="9525">
+              <a14:hiddenLine xmlns="" xmlns:a14="http://schemas.microsoft.com/office/drawing/2010/main" w="9525">
                 <a:solidFill>
                   <a:srgbClr val="000000"/>
                 </a:solidFill>
@@ -5832,535 +5828,6 @@
 </file>
 
 <file path=ppt/slides/slide12.xml><?xml version="1.0" encoding="utf-8"?>
-<p:sld xmlns:a="http://schemas.openxmlformats.org/drawingml/2006/main" xmlns:r="http://schemas.openxmlformats.org/officeDocument/2006/relationships" xmlns:p="http://schemas.openxmlformats.org/presentationml/2006/main">
-  <p:cSld>
-    <p:spTree>
-      <p:nvGrpSpPr>
-        <p:cNvPr id="1" name=""/>
-        <p:cNvGrpSpPr/>
-        <p:nvPr/>
-      </p:nvGrpSpPr>
-      <p:grpSpPr>
-        <a:xfrm>
-          <a:off x="0" y="0"/>
-          <a:ext cx="0" cy="0"/>
-          <a:chOff x="0" y="0"/>
-          <a:chExt cx="0" cy="0"/>
-        </a:xfrm>
-      </p:grpSpPr>
-      <p:sp>
-        <p:nvSpPr>
-          <p:cNvPr id="2" name="Title 1">
-            <a:extLst>
-              <a:ext uri="{FF2B5EF4-FFF2-40B4-BE49-F238E27FC236}">
-                <a16:creationId xmlns:a16="http://schemas.microsoft.com/office/drawing/2014/main" id="{13D9C747-1BD0-4392-9C2C-65E6D2CC4124}"/>
-              </a:ext>
-            </a:extLst>
-          </p:cNvPr>
-          <p:cNvSpPr>
-            <a:spLocks noGrp="1"/>
-          </p:cNvSpPr>
-          <p:nvPr>
-            <p:ph type="title"/>
-          </p:nvPr>
-        </p:nvSpPr>
-        <p:spPr/>
-        <p:txBody>
-          <a:bodyPr/>
-          <a:lstStyle/>
-          <a:p>
-            <a:r>
-              <a:rPr lang="en-US" dirty="0"/>
-              <a:t>META-pipe analysis pipeline</a:t>
-            </a:r>
-          </a:p>
-        </p:txBody>
-      </p:sp>
-      <p:pic>
-        <p:nvPicPr>
-          <p:cNvPr id="4" name="Content Placeholder 9">
-            <a:extLst>
-              <a:ext uri="{FF2B5EF4-FFF2-40B4-BE49-F238E27FC236}">
-                <a16:creationId xmlns:a16="http://schemas.microsoft.com/office/drawing/2014/main" id="{BDE8B5FF-8431-4E9D-8294-4051118E44F3}"/>
-              </a:ext>
-            </a:extLst>
-          </p:cNvPr>
-          <p:cNvPicPr>
-            <a:picLocks noChangeAspect="1"/>
-          </p:cNvPicPr>
-          <p:nvPr/>
-        </p:nvPicPr>
-        <p:blipFill>
-          <a:blip r:embed="rId2" cstate="print">
-            <a:extLst>
-              <a:ext uri="{28A0092B-C50C-407E-A947-70E740481C1C}">
-                <a14:useLocalDpi xmlns:a14="http://schemas.microsoft.com/office/drawing/2010/main" val="0"/>
-              </a:ext>
-            </a:extLst>
-          </a:blip>
-          <a:stretch>
-            <a:fillRect/>
-          </a:stretch>
-        </p:blipFill>
-        <p:spPr bwMode="auto">
-          <a:xfrm>
-            <a:off x="580314" y="1644891"/>
-            <a:ext cx="5543565" cy="4153743"/>
-          </a:xfrm>
-          <a:prstGeom prst="rect">
-            <a:avLst/>
-          </a:prstGeom>
-          <a:noFill/>
-          <a:ln>
-            <a:noFill/>
-          </a:ln>
-          <a:extLst>
-            <a:ext uri="{909E8E84-426E-40dd-AFC4-6F175D3DCCD1}">
-              <a14:hiddenFill xmlns:a14="http://schemas.microsoft.com/office/drawing/2010/main" xmlns="">
-                <a:solidFill>
-                  <a:srgbClr val="FFFFFF"/>
-                </a:solidFill>
-              </a14:hiddenFill>
-            </a:ext>
-            <a:ext uri="{91240B29-F687-4f45-9708-019B960494DF}">
-              <a14:hiddenLine xmlns:a14="http://schemas.microsoft.com/office/drawing/2010/main" xmlns="" w="9525">
-                <a:solidFill>
-                  <a:srgbClr val="000000"/>
-                </a:solidFill>
-                <a:miter lim="800000"/>
-                <a:headEnd/>
-                <a:tailEnd/>
-              </a14:hiddenLine>
-            </a:ext>
-            <a:ext uri="{FAA26D3D-D897-4be2-8F04-BA451C77F1D7}">
-              <ma14:placeholderFlag xmlns:ma14="http://schemas.microsoft.com/office/mac/drawingml/2011/main" xmlns="" val="1"/>
-            </a:ext>
-          </a:extLst>
-        </p:spPr>
-      </p:pic>
-      <p:pic>
-        <p:nvPicPr>
-          <p:cNvPr id="5" name="Picture 4" descr="Excelerate_whitebackground.png">
-            <a:extLst>
-              <a:ext uri="{FF2B5EF4-FFF2-40B4-BE49-F238E27FC236}">
-                <a16:creationId xmlns:a16="http://schemas.microsoft.com/office/drawing/2014/main" id="{5C649329-6AB3-4438-920E-95953D787C17}"/>
-              </a:ext>
-            </a:extLst>
-          </p:cNvPr>
-          <p:cNvPicPr>
-            <a:picLocks noChangeAspect="1"/>
-          </p:cNvPicPr>
-          <p:nvPr/>
-        </p:nvPicPr>
-        <p:blipFill>
-          <a:blip r:embed="rId3">
-            <a:extLst>
-              <a:ext uri="{28A0092B-C50C-407E-A947-70E740481C1C}">
-                <a14:useLocalDpi xmlns:a14="http://schemas.microsoft.com/office/drawing/2010/main" val="0"/>
-              </a:ext>
-            </a:extLst>
-          </a:blip>
-          <a:srcRect/>
-          <a:stretch>
-            <a:fillRect/>
-          </a:stretch>
-        </p:blipFill>
-        <p:spPr bwMode="auto">
-          <a:xfrm>
-            <a:off x="5227150" y="5954140"/>
-            <a:ext cx="2129367" cy="779966"/>
-          </a:xfrm>
-          <a:prstGeom prst="rect">
-            <a:avLst/>
-          </a:prstGeom>
-          <a:noFill/>
-          <a:ln>
-            <a:noFill/>
-          </a:ln>
-          <a:extLst>
-            <a:ext uri="{909E8E84-426E-40dd-AFC4-6F175D3DCCD1}">
-              <a14:hiddenFill xmlns="" xmlns:a14="http://schemas.microsoft.com/office/drawing/2010/main">
-                <a:solidFill>
-                  <a:srgbClr val="FFFFFF"/>
-                </a:solidFill>
-              </a14:hiddenFill>
-            </a:ext>
-            <a:ext uri="{91240B29-F687-4f45-9708-019B960494DF}">
-              <a14:hiddenLine xmlns="" xmlns:a14="http://schemas.microsoft.com/office/drawing/2010/main" w="9525">
-                <a:solidFill>
-                  <a:srgbClr val="000000"/>
-                </a:solidFill>
-                <a:miter lim="800000"/>
-                <a:headEnd/>
-                <a:tailEnd/>
-              </a14:hiddenLine>
-            </a:ext>
-          </a:extLst>
-        </p:spPr>
-      </p:pic>
-      <p:pic>
-        <p:nvPicPr>
-          <p:cNvPr id="6" name="Picture 5">
-            <a:extLst>
-              <a:ext uri="{FF2B5EF4-FFF2-40B4-BE49-F238E27FC236}">
-                <a16:creationId xmlns:a16="http://schemas.microsoft.com/office/drawing/2014/main" id="{EC74C61A-9105-4B71-9AFE-CF16E9F46D24}"/>
-              </a:ext>
-            </a:extLst>
-          </p:cNvPr>
-          <p:cNvPicPr>
-            <a:picLocks noChangeAspect="1"/>
-          </p:cNvPicPr>
-          <p:nvPr/>
-        </p:nvPicPr>
-        <p:blipFill>
-          <a:blip r:embed="rId4">
-            <a:extLst>
-              <a:ext uri="{28A0092B-C50C-407E-A947-70E740481C1C}">
-                <a14:useLocalDpi xmlns:a14="http://schemas.microsoft.com/office/drawing/2010/main" val="0"/>
-              </a:ext>
-            </a:extLst>
-          </a:blip>
-          <a:srcRect/>
-          <a:stretch>
-            <a:fillRect/>
-          </a:stretch>
-        </p:blipFill>
-        <p:spPr bwMode="auto">
-          <a:xfrm>
-            <a:off x="7724817" y="5941530"/>
-            <a:ext cx="1335617" cy="844964"/>
-          </a:xfrm>
-          <a:prstGeom prst="rect">
-            <a:avLst/>
-          </a:prstGeom>
-          <a:noFill/>
-          <a:ln>
-            <a:noFill/>
-          </a:ln>
-          <a:extLst>
-            <a:ext uri="{909E8E84-426E-40dd-AFC4-6F175D3DCCD1}">
-              <a14:hiddenFill xmlns="" xmlns:a14="http://schemas.microsoft.com/office/drawing/2010/main">
-                <a:solidFill>
-                  <a:srgbClr val="FFFFFF"/>
-                </a:solidFill>
-              </a14:hiddenFill>
-            </a:ext>
-            <a:ext uri="{91240B29-F687-4f45-9708-019B960494DF}">
-              <a14:hiddenLine xmlns="" xmlns:a14="http://schemas.microsoft.com/office/drawing/2010/main" w="9525">
-                <a:solidFill>
-                  <a:srgbClr val="000000"/>
-                </a:solidFill>
-                <a:miter lim="800000"/>
-                <a:headEnd/>
-                <a:tailEnd/>
-              </a14:hiddenLine>
-            </a:ext>
-          </a:extLst>
-        </p:spPr>
-      </p:pic>
-    </p:spTree>
-    <p:extLst>
-      <p:ext uri="{BB962C8B-B14F-4D97-AF65-F5344CB8AC3E}">
-        <p14:creationId xmlns:p14="http://schemas.microsoft.com/office/powerpoint/2010/main" val="182675546"/>
-      </p:ext>
-    </p:extLst>
-  </p:cSld>
-  <p:clrMapOvr>
-    <a:masterClrMapping/>
-  </p:clrMapOvr>
-</p:sld>
-</file>
-
-<file path=ppt/slides/slide13.xml><?xml version="1.0" encoding="utf-8"?>
-<p:sld xmlns:a="http://schemas.openxmlformats.org/drawingml/2006/main" xmlns:r="http://schemas.openxmlformats.org/officeDocument/2006/relationships" xmlns:p="http://schemas.openxmlformats.org/presentationml/2006/main">
-  <p:cSld>
-    <p:spTree>
-      <p:nvGrpSpPr>
-        <p:cNvPr id="1" name=""/>
-        <p:cNvGrpSpPr/>
-        <p:nvPr/>
-      </p:nvGrpSpPr>
-      <p:grpSpPr>
-        <a:xfrm>
-          <a:off x="0" y="0"/>
-          <a:ext cx="0" cy="0"/>
-          <a:chOff x="0" y="0"/>
-          <a:chExt cx="0" cy="0"/>
-        </a:xfrm>
-      </p:grpSpPr>
-      <p:sp>
-        <p:nvSpPr>
-          <p:cNvPr id="2" name="Title 1">
-            <a:extLst>
-              <a:ext uri="{FF2B5EF4-FFF2-40B4-BE49-F238E27FC236}">
-                <a16:creationId xmlns:a16="http://schemas.microsoft.com/office/drawing/2014/main" id="{74D8717C-6440-4533-BE0E-AE8B7858F594}"/>
-              </a:ext>
-            </a:extLst>
-          </p:cNvPr>
-          <p:cNvSpPr>
-            <a:spLocks noGrp="1"/>
-          </p:cNvSpPr>
-          <p:nvPr>
-            <p:ph type="title"/>
-          </p:nvPr>
-        </p:nvSpPr>
-        <p:spPr/>
-        <p:txBody>
-          <a:bodyPr/>
-          <a:lstStyle/>
-          <a:p>
-            <a:pPr algn="l"/>
-            <a:r>
-              <a:rPr lang="en-US" dirty="0"/>
-              <a:t>Security concerns</a:t>
-            </a:r>
-          </a:p>
-        </p:txBody>
-      </p:sp>
-      <p:sp>
-        <p:nvSpPr>
-          <p:cNvPr id="3" name="Content Placeholder 2">
-            <a:extLst>
-              <a:ext uri="{FF2B5EF4-FFF2-40B4-BE49-F238E27FC236}">
-                <a16:creationId xmlns:a16="http://schemas.microsoft.com/office/drawing/2014/main" id="{5D907F0B-869A-484F-9C9E-4BA4F52AFEC1}"/>
-              </a:ext>
-            </a:extLst>
-          </p:cNvPr>
-          <p:cNvSpPr>
-            <a:spLocks noGrp="1"/>
-          </p:cNvSpPr>
-          <p:nvPr>
-            <p:ph idx="1"/>
-          </p:nvPr>
-        </p:nvSpPr>
-        <p:spPr/>
-        <p:txBody>
-          <a:bodyPr>
-            <a:normAutofit/>
-          </a:bodyPr>
-          <a:lstStyle/>
-          <a:p>
-            <a:r>
-              <a:rPr lang="en-US" sz="2000" dirty="0"/>
-              <a:t>Issues:</a:t>
-            </a:r>
-          </a:p>
-          <a:p>
-            <a:pPr lvl="1"/>
-            <a:r>
-              <a:rPr lang="en-US" dirty="0"/>
-              <a:t>many 3</a:t>
-            </a:r>
-            <a:r>
-              <a:rPr lang="en-US" baseline="30000" dirty="0"/>
-              <a:t>rd</a:t>
-            </a:r>
-            <a:r>
-              <a:rPr lang="en-US" dirty="0"/>
-              <a:t> party tools</a:t>
-            </a:r>
-          </a:p>
-          <a:p>
-            <a:pPr lvl="1"/>
-            <a:r>
-              <a:rPr lang="en-US" dirty="0"/>
-              <a:t>that are not well tested or implemented</a:t>
-            </a:r>
-          </a:p>
-          <a:p>
-            <a:pPr lvl="1"/>
-            <a:r>
-              <a:rPr lang="en-US" dirty="0"/>
-              <a:t>that process user submitted text files</a:t>
-            </a:r>
-          </a:p>
-          <a:p>
-            <a:pPr lvl="1"/>
-            <a:r>
-              <a:rPr lang="en-US" dirty="0"/>
-              <a:t>run by a single user on behalf of all users</a:t>
-            </a:r>
-          </a:p>
-          <a:p>
-            <a:pPr lvl="1"/>
-            <a:r>
-              <a:rPr lang="en-US" dirty="0"/>
-              <a:t>on someone else's hardware</a:t>
-            </a:r>
-          </a:p>
-        </p:txBody>
-      </p:sp>
-    </p:spTree>
-    <p:extLst>
-      <p:ext uri="{BB962C8B-B14F-4D97-AF65-F5344CB8AC3E}">
-        <p14:creationId xmlns:p14="http://schemas.microsoft.com/office/powerpoint/2010/main" val="3592017735"/>
-      </p:ext>
-    </p:extLst>
-  </p:cSld>
-  <p:clrMapOvr>
-    <a:masterClrMapping/>
-  </p:clrMapOvr>
-</p:sld>
-</file>
-
-<file path=ppt/slides/slide14.xml><?xml version="1.0" encoding="utf-8"?>
-<p:sld xmlns:a="http://schemas.openxmlformats.org/drawingml/2006/main" xmlns:r="http://schemas.openxmlformats.org/officeDocument/2006/relationships" xmlns:p="http://schemas.openxmlformats.org/presentationml/2006/main">
-  <p:cSld>
-    <p:spTree>
-      <p:nvGrpSpPr>
-        <p:cNvPr id="1" name=""/>
-        <p:cNvGrpSpPr/>
-        <p:nvPr/>
-      </p:nvGrpSpPr>
-      <p:grpSpPr>
-        <a:xfrm>
-          <a:off x="0" y="0"/>
-          <a:ext cx="0" cy="0"/>
-          <a:chOff x="0" y="0"/>
-          <a:chExt cx="0" cy="0"/>
-        </a:xfrm>
-      </p:grpSpPr>
-      <p:sp>
-        <p:nvSpPr>
-          <p:cNvPr id="2" name="Title 1">
-            <a:extLst>
-              <a:ext uri="{FF2B5EF4-FFF2-40B4-BE49-F238E27FC236}">
-                <a16:creationId xmlns:a16="http://schemas.microsoft.com/office/drawing/2014/main" id="{0BB55573-6186-43AF-AFC0-26EB3AB2ECDD}"/>
-              </a:ext>
-            </a:extLst>
-          </p:cNvPr>
-          <p:cNvSpPr>
-            <a:spLocks noGrp="1"/>
-          </p:cNvSpPr>
-          <p:nvPr>
-            <p:ph type="title"/>
-          </p:nvPr>
-        </p:nvSpPr>
-        <p:spPr/>
-        <p:txBody>
-          <a:bodyPr/>
-          <a:lstStyle/>
-          <a:p>
-            <a:pPr algn="l"/>
-            <a:r>
-              <a:rPr lang="en-US" dirty="0"/>
-              <a:t>Security solution</a:t>
-            </a:r>
-          </a:p>
-        </p:txBody>
-      </p:sp>
-      <p:sp>
-        <p:nvSpPr>
-          <p:cNvPr id="3" name="Content Placeholder 2">
-            <a:extLst>
-              <a:ext uri="{FF2B5EF4-FFF2-40B4-BE49-F238E27FC236}">
-                <a16:creationId xmlns:a16="http://schemas.microsoft.com/office/drawing/2014/main" id="{13233695-2859-4B47-B88B-2CE0B145F38C}"/>
-              </a:ext>
-            </a:extLst>
-          </p:cNvPr>
-          <p:cNvSpPr>
-            <a:spLocks noGrp="1"/>
-          </p:cNvSpPr>
-          <p:nvPr>
-            <p:ph idx="1"/>
-          </p:nvPr>
-        </p:nvSpPr>
-        <p:spPr>
-          <a:xfrm>
-            <a:off x="670298" y="1751183"/>
-            <a:ext cx="5506567" cy="4374980"/>
-          </a:xfrm>
-        </p:spPr>
-        <p:txBody>
-          <a:bodyPr>
-            <a:normAutofit/>
-          </a:bodyPr>
-          <a:lstStyle/>
-          <a:p>
-            <a:r>
-              <a:rPr lang="en-US" sz="2000" dirty="0"/>
-              <a:t>Hope and prayers</a:t>
-            </a:r>
-          </a:p>
-          <a:p>
-            <a:r>
-              <a:rPr lang="en-US" sz="2000" dirty="0"/>
-              <a:t>Isolation</a:t>
-            </a:r>
-          </a:p>
-          <a:p>
-            <a:pPr lvl="1"/>
-            <a:r>
-              <a:rPr lang="en-US" dirty="0"/>
-              <a:t>A pipeline execution can only access one input dataset</a:t>
-            </a:r>
-          </a:p>
-          <a:p>
-            <a:pPr lvl="1"/>
-            <a:r>
-              <a:rPr lang="en-US" dirty="0"/>
-              <a:t>Teardown execution environment after each pipeline execution</a:t>
-            </a:r>
-          </a:p>
-          <a:p>
-            <a:r>
-              <a:rPr lang="en-US" sz="2000" dirty="0"/>
-              <a:t>End-user authentication</a:t>
-            </a:r>
-          </a:p>
-          <a:p>
-            <a:pPr lvl="1"/>
-            <a:r>
-              <a:rPr lang="en-US" dirty="0"/>
-              <a:t>Academic institution, ORCID credentials</a:t>
-            </a:r>
-          </a:p>
-        </p:txBody>
-      </p:sp>
-      <p:pic>
-        <p:nvPicPr>
-          <p:cNvPr id="5" name="Picture 4">
-            <a:extLst>
-              <a:ext uri="{FF2B5EF4-FFF2-40B4-BE49-F238E27FC236}">
-                <a16:creationId xmlns:a16="http://schemas.microsoft.com/office/drawing/2014/main" id="{5935FE87-29A4-4720-8070-4F16290F6B03}"/>
-              </a:ext>
-            </a:extLst>
-          </p:cNvPr>
-          <p:cNvPicPr>
-            <a:picLocks noChangeAspect="1"/>
-          </p:cNvPicPr>
-          <p:nvPr/>
-        </p:nvPicPr>
-        <p:blipFill>
-          <a:blip r:embed="rId2"/>
-          <a:stretch>
-            <a:fillRect/>
-          </a:stretch>
-        </p:blipFill>
-        <p:spPr>
-          <a:xfrm>
-            <a:off x="6338596" y="3178629"/>
-            <a:ext cx="2709942" cy="3555388"/>
-          </a:xfrm>
-          <a:prstGeom prst="rect">
-            <a:avLst/>
-          </a:prstGeom>
-        </p:spPr>
-      </p:pic>
-    </p:spTree>
-    <p:extLst>
-      <p:ext uri="{BB962C8B-B14F-4D97-AF65-F5344CB8AC3E}">
-        <p14:creationId xmlns:p14="http://schemas.microsoft.com/office/powerpoint/2010/main" val="979883767"/>
-      </p:ext>
-    </p:extLst>
-  </p:cSld>
-  <p:clrMapOvr>
-    <a:masterClrMapping/>
-  </p:clrMapOvr>
-</p:sld>
-</file>
-
-<file path=ppt/slides/slide15.xml><?xml version="1.0" encoding="utf-8"?>
 <p:sld xmlns:a="http://schemas.openxmlformats.org/drawingml/2006/main" xmlns:r="http://schemas.openxmlformats.org/officeDocument/2006/relationships" xmlns:p="http://schemas.openxmlformats.org/presentationml/2006/main">
   <p:cSld>
     <p:spTree>
@@ -6498,14 +5965,14 @@
           </a:ln>
           <a:extLst>
             <a:ext uri="{909E8E84-426E-40dd-AFC4-6F175D3DCCD1}">
-              <a14:hiddenFill xmlns="" xmlns:a14="http://schemas.microsoft.com/office/drawing/2010/main">
+              <a14:hiddenFill xmlns:a14="http://schemas.microsoft.com/office/drawing/2010/main" xmlns="">
                 <a:solidFill>
                   <a:srgbClr val="FFFFFF"/>
                 </a:solidFill>
               </a14:hiddenFill>
             </a:ext>
             <a:ext uri="{91240B29-F687-4f45-9708-019B960494DF}">
-              <a14:hiddenLine xmlns="" xmlns:a14="http://schemas.microsoft.com/office/drawing/2010/main" w="9525">
+              <a14:hiddenLine xmlns:a14="http://schemas.microsoft.com/office/drawing/2010/main" xmlns="" w="9525">
                 <a:solidFill>
                   <a:srgbClr val="000000"/>
                 </a:solidFill>
@@ -6558,14 +6025,14 @@
           </a:ln>
           <a:extLst>
             <a:ext uri="{909E8E84-426E-40dd-AFC4-6F175D3DCCD1}">
-              <a14:hiddenFill xmlns="" xmlns:a14="http://schemas.microsoft.com/office/drawing/2010/main">
+              <a14:hiddenFill xmlns:a14="http://schemas.microsoft.com/office/drawing/2010/main" xmlns="">
                 <a:solidFill>
                   <a:srgbClr val="FFFFFF"/>
                 </a:solidFill>
               </a14:hiddenFill>
             </a:ext>
             <a:ext uri="{91240B29-F687-4f45-9708-019B960494DF}">
-              <a14:hiddenLine xmlns="" xmlns:a14="http://schemas.microsoft.com/office/drawing/2010/main" w="9525">
+              <a14:hiddenLine xmlns:a14="http://schemas.microsoft.com/office/drawing/2010/main" xmlns="" w="9525">
                 <a:solidFill>
                   <a:srgbClr val="000000"/>
                 </a:solidFill>
@@ -6581,6 +6048,535 @@
     <p:extLst>
       <p:ext uri="{BB962C8B-B14F-4D97-AF65-F5344CB8AC3E}">
         <p14:creationId xmlns:p14="http://schemas.microsoft.com/office/powerpoint/2010/main" val="2338777112"/>
+      </p:ext>
+    </p:extLst>
+  </p:cSld>
+  <p:clrMapOvr>
+    <a:masterClrMapping/>
+  </p:clrMapOvr>
+</p:sld>
+</file>
+
+<file path=ppt/slides/slide13.xml><?xml version="1.0" encoding="utf-8"?>
+<p:sld xmlns:a="http://schemas.openxmlformats.org/drawingml/2006/main" xmlns:r="http://schemas.openxmlformats.org/officeDocument/2006/relationships" xmlns:p="http://schemas.openxmlformats.org/presentationml/2006/main">
+  <p:cSld>
+    <p:spTree>
+      <p:nvGrpSpPr>
+        <p:cNvPr id="1" name=""/>
+        <p:cNvGrpSpPr/>
+        <p:nvPr/>
+      </p:nvGrpSpPr>
+      <p:grpSpPr>
+        <a:xfrm>
+          <a:off x="0" y="0"/>
+          <a:ext cx="0" cy="0"/>
+          <a:chOff x="0" y="0"/>
+          <a:chExt cx="0" cy="0"/>
+        </a:xfrm>
+      </p:grpSpPr>
+      <p:sp>
+        <p:nvSpPr>
+          <p:cNvPr id="2" name="Title 1">
+            <a:extLst>
+              <a:ext uri="{FF2B5EF4-FFF2-40B4-BE49-F238E27FC236}">
+                <a16:creationId xmlns:a16="http://schemas.microsoft.com/office/drawing/2014/main" id="{13D9C747-1BD0-4392-9C2C-65E6D2CC4124}"/>
+              </a:ext>
+            </a:extLst>
+          </p:cNvPr>
+          <p:cNvSpPr>
+            <a:spLocks noGrp="1"/>
+          </p:cNvSpPr>
+          <p:nvPr>
+            <p:ph type="title"/>
+          </p:nvPr>
+        </p:nvSpPr>
+        <p:spPr/>
+        <p:txBody>
+          <a:bodyPr/>
+          <a:lstStyle/>
+          <a:p>
+            <a:r>
+              <a:rPr lang="en-US" dirty="0"/>
+              <a:t>META-pipe analysis pipeline</a:t>
+            </a:r>
+          </a:p>
+        </p:txBody>
+      </p:sp>
+      <p:pic>
+        <p:nvPicPr>
+          <p:cNvPr id="4" name="Content Placeholder 9">
+            <a:extLst>
+              <a:ext uri="{FF2B5EF4-FFF2-40B4-BE49-F238E27FC236}">
+                <a16:creationId xmlns:a16="http://schemas.microsoft.com/office/drawing/2014/main" id="{BDE8B5FF-8431-4E9D-8294-4051118E44F3}"/>
+              </a:ext>
+            </a:extLst>
+          </p:cNvPr>
+          <p:cNvPicPr>
+            <a:picLocks noChangeAspect="1"/>
+          </p:cNvPicPr>
+          <p:nvPr/>
+        </p:nvPicPr>
+        <p:blipFill>
+          <a:blip r:embed="rId2" cstate="print">
+            <a:extLst>
+              <a:ext uri="{28A0092B-C50C-407E-A947-70E740481C1C}">
+                <a14:useLocalDpi xmlns:a14="http://schemas.microsoft.com/office/drawing/2010/main" val="0"/>
+              </a:ext>
+            </a:extLst>
+          </a:blip>
+          <a:stretch>
+            <a:fillRect/>
+          </a:stretch>
+        </p:blipFill>
+        <p:spPr bwMode="auto">
+          <a:xfrm>
+            <a:off x="580314" y="1644891"/>
+            <a:ext cx="5543565" cy="4153743"/>
+          </a:xfrm>
+          <a:prstGeom prst="rect">
+            <a:avLst/>
+          </a:prstGeom>
+          <a:noFill/>
+          <a:ln>
+            <a:noFill/>
+          </a:ln>
+          <a:extLst>
+            <a:ext uri="{909E8E84-426E-40dd-AFC4-6F175D3DCCD1}">
+              <a14:hiddenFill xmlns="" xmlns:a14="http://schemas.microsoft.com/office/drawing/2010/main">
+                <a:solidFill>
+                  <a:srgbClr val="FFFFFF"/>
+                </a:solidFill>
+              </a14:hiddenFill>
+            </a:ext>
+            <a:ext uri="{91240B29-F687-4f45-9708-019B960494DF}">
+              <a14:hiddenLine xmlns="" xmlns:a14="http://schemas.microsoft.com/office/drawing/2010/main" w="9525">
+                <a:solidFill>
+                  <a:srgbClr val="000000"/>
+                </a:solidFill>
+                <a:miter lim="800000"/>
+                <a:headEnd/>
+                <a:tailEnd/>
+              </a14:hiddenLine>
+            </a:ext>
+            <a:ext uri="{FAA26D3D-D897-4be2-8F04-BA451C77F1D7}">
+              <ma14:placeholderFlag xmlns="" xmlns:ma14="http://schemas.microsoft.com/office/mac/drawingml/2011/main" val="1"/>
+            </a:ext>
+          </a:extLst>
+        </p:spPr>
+      </p:pic>
+      <p:pic>
+        <p:nvPicPr>
+          <p:cNvPr id="5" name="Picture 4" descr="Excelerate_whitebackground.png">
+            <a:extLst>
+              <a:ext uri="{FF2B5EF4-FFF2-40B4-BE49-F238E27FC236}">
+                <a16:creationId xmlns:a16="http://schemas.microsoft.com/office/drawing/2014/main" id="{5C649329-6AB3-4438-920E-95953D787C17}"/>
+              </a:ext>
+            </a:extLst>
+          </p:cNvPr>
+          <p:cNvPicPr>
+            <a:picLocks noChangeAspect="1"/>
+          </p:cNvPicPr>
+          <p:nvPr/>
+        </p:nvPicPr>
+        <p:blipFill>
+          <a:blip r:embed="rId3">
+            <a:extLst>
+              <a:ext uri="{28A0092B-C50C-407E-A947-70E740481C1C}">
+                <a14:useLocalDpi xmlns:a14="http://schemas.microsoft.com/office/drawing/2010/main" val="0"/>
+              </a:ext>
+            </a:extLst>
+          </a:blip>
+          <a:srcRect/>
+          <a:stretch>
+            <a:fillRect/>
+          </a:stretch>
+        </p:blipFill>
+        <p:spPr bwMode="auto">
+          <a:xfrm>
+            <a:off x="5227150" y="5954140"/>
+            <a:ext cx="2129367" cy="779966"/>
+          </a:xfrm>
+          <a:prstGeom prst="rect">
+            <a:avLst/>
+          </a:prstGeom>
+          <a:noFill/>
+          <a:ln>
+            <a:noFill/>
+          </a:ln>
+          <a:extLst>
+            <a:ext uri="{909E8E84-426E-40dd-AFC4-6F175D3DCCD1}">
+              <a14:hiddenFill xmlns:a14="http://schemas.microsoft.com/office/drawing/2010/main" xmlns="">
+                <a:solidFill>
+                  <a:srgbClr val="FFFFFF"/>
+                </a:solidFill>
+              </a14:hiddenFill>
+            </a:ext>
+            <a:ext uri="{91240B29-F687-4f45-9708-019B960494DF}">
+              <a14:hiddenLine xmlns:a14="http://schemas.microsoft.com/office/drawing/2010/main" xmlns="" w="9525">
+                <a:solidFill>
+                  <a:srgbClr val="000000"/>
+                </a:solidFill>
+                <a:miter lim="800000"/>
+                <a:headEnd/>
+                <a:tailEnd/>
+              </a14:hiddenLine>
+            </a:ext>
+          </a:extLst>
+        </p:spPr>
+      </p:pic>
+      <p:pic>
+        <p:nvPicPr>
+          <p:cNvPr id="6" name="Picture 5">
+            <a:extLst>
+              <a:ext uri="{FF2B5EF4-FFF2-40B4-BE49-F238E27FC236}">
+                <a16:creationId xmlns:a16="http://schemas.microsoft.com/office/drawing/2014/main" id="{EC74C61A-9105-4B71-9AFE-CF16E9F46D24}"/>
+              </a:ext>
+            </a:extLst>
+          </p:cNvPr>
+          <p:cNvPicPr>
+            <a:picLocks noChangeAspect="1"/>
+          </p:cNvPicPr>
+          <p:nvPr/>
+        </p:nvPicPr>
+        <p:blipFill>
+          <a:blip r:embed="rId4">
+            <a:extLst>
+              <a:ext uri="{28A0092B-C50C-407E-A947-70E740481C1C}">
+                <a14:useLocalDpi xmlns:a14="http://schemas.microsoft.com/office/drawing/2010/main" val="0"/>
+              </a:ext>
+            </a:extLst>
+          </a:blip>
+          <a:srcRect/>
+          <a:stretch>
+            <a:fillRect/>
+          </a:stretch>
+        </p:blipFill>
+        <p:spPr bwMode="auto">
+          <a:xfrm>
+            <a:off x="7724817" y="5941530"/>
+            <a:ext cx="1335617" cy="844964"/>
+          </a:xfrm>
+          <a:prstGeom prst="rect">
+            <a:avLst/>
+          </a:prstGeom>
+          <a:noFill/>
+          <a:ln>
+            <a:noFill/>
+          </a:ln>
+          <a:extLst>
+            <a:ext uri="{909E8E84-426E-40dd-AFC4-6F175D3DCCD1}">
+              <a14:hiddenFill xmlns:a14="http://schemas.microsoft.com/office/drawing/2010/main" xmlns="">
+                <a:solidFill>
+                  <a:srgbClr val="FFFFFF"/>
+                </a:solidFill>
+              </a14:hiddenFill>
+            </a:ext>
+            <a:ext uri="{91240B29-F687-4f45-9708-019B960494DF}">
+              <a14:hiddenLine xmlns:a14="http://schemas.microsoft.com/office/drawing/2010/main" xmlns="" w="9525">
+                <a:solidFill>
+                  <a:srgbClr val="000000"/>
+                </a:solidFill>
+                <a:miter lim="800000"/>
+                <a:headEnd/>
+                <a:tailEnd/>
+              </a14:hiddenLine>
+            </a:ext>
+          </a:extLst>
+        </p:spPr>
+      </p:pic>
+    </p:spTree>
+    <p:extLst>
+      <p:ext uri="{BB962C8B-B14F-4D97-AF65-F5344CB8AC3E}">
+        <p14:creationId xmlns:p14="http://schemas.microsoft.com/office/powerpoint/2010/main" val="182675546"/>
+      </p:ext>
+    </p:extLst>
+  </p:cSld>
+  <p:clrMapOvr>
+    <a:masterClrMapping/>
+  </p:clrMapOvr>
+</p:sld>
+</file>
+
+<file path=ppt/slides/slide14.xml><?xml version="1.0" encoding="utf-8"?>
+<p:sld xmlns:a="http://schemas.openxmlformats.org/drawingml/2006/main" xmlns:r="http://schemas.openxmlformats.org/officeDocument/2006/relationships" xmlns:p="http://schemas.openxmlformats.org/presentationml/2006/main">
+  <p:cSld>
+    <p:spTree>
+      <p:nvGrpSpPr>
+        <p:cNvPr id="1" name=""/>
+        <p:cNvGrpSpPr/>
+        <p:nvPr/>
+      </p:nvGrpSpPr>
+      <p:grpSpPr>
+        <a:xfrm>
+          <a:off x="0" y="0"/>
+          <a:ext cx="0" cy="0"/>
+          <a:chOff x="0" y="0"/>
+          <a:chExt cx="0" cy="0"/>
+        </a:xfrm>
+      </p:grpSpPr>
+      <p:sp>
+        <p:nvSpPr>
+          <p:cNvPr id="2" name="Title 1">
+            <a:extLst>
+              <a:ext uri="{FF2B5EF4-FFF2-40B4-BE49-F238E27FC236}">
+                <a16:creationId xmlns:a16="http://schemas.microsoft.com/office/drawing/2014/main" id="{74D8717C-6440-4533-BE0E-AE8B7858F594}"/>
+              </a:ext>
+            </a:extLst>
+          </p:cNvPr>
+          <p:cNvSpPr>
+            <a:spLocks noGrp="1"/>
+          </p:cNvSpPr>
+          <p:nvPr>
+            <p:ph type="title"/>
+          </p:nvPr>
+        </p:nvSpPr>
+        <p:spPr/>
+        <p:txBody>
+          <a:bodyPr/>
+          <a:lstStyle/>
+          <a:p>
+            <a:pPr algn="l"/>
+            <a:r>
+              <a:rPr lang="en-US" dirty="0"/>
+              <a:t>Security concerns</a:t>
+            </a:r>
+          </a:p>
+        </p:txBody>
+      </p:sp>
+      <p:sp>
+        <p:nvSpPr>
+          <p:cNvPr id="3" name="Content Placeholder 2">
+            <a:extLst>
+              <a:ext uri="{FF2B5EF4-FFF2-40B4-BE49-F238E27FC236}">
+                <a16:creationId xmlns:a16="http://schemas.microsoft.com/office/drawing/2014/main" id="{5D907F0B-869A-484F-9C9E-4BA4F52AFEC1}"/>
+              </a:ext>
+            </a:extLst>
+          </p:cNvPr>
+          <p:cNvSpPr>
+            <a:spLocks noGrp="1"/>
+          </p:cNvSpPr>
+          <p:nvPr>
+            <p:ph idx="1"/>
+          </p:nvPr>
+        </p:nvSpPr>
+        <p:spPr/>
+        <p:txBody>
+          <a:bodyPr>
+            <a:normAutofit/>
+          </a:bodyPr>
+          <a:lstStyle/>
+          <a:p>
+            <a:r>
+              <a:rPr lang="en-US" sz="2000" dirty="0"/>
+              <a:t>Issues:</a:t>
+            </a:r>
+          </a:p>
+          <a:p>
+            <a:pPr lvl="1"/>
+            <a:r>
+              <a:rPr lang="en-US" dirty="0"/>
+              <a:t>many 3</a:t>
+            </a:r>
+            <a:r>
+              <a:rPr lang="en-US" baseline="30000" dirty="0"/>
+              <a:t>rd</a:t>
+            </a:r>
+            <a:r>
+              <a:rPr lang="en-US" dirty="0"/>
+              <a:t> party tools</a:t>
+            </a:r>
+          </a:p>
+          <a:p>
+            <a:pPr lvl="1"/>
+            <a:r>
+              <a:rPr lang="en-US" dirty="0"/>
+              <a:t>that are not well tested or implemented</a:t>
+            </a:r>
+          </a:p>
+          <a:p>
+            <a:pPr lvl="1"/>
+            <a:r>
+              <a:rPr lang="en-US" dirty="0"/>
+              <a:t>that process user submitted text files</a:t>
+            </a:r>
+          </a:p>
+          <a:p>
+            <a:pPr lvl="1"/>
+            <a:r>
+              <a:rPr lang="en-US" dirty="0"/>
+              <a:t>run by a single user on behalf of all users</a:t>
+            </a:r>
+          </a:p>
+          <a:p>
+            <a:pPr lvl="1"/>
+            <a:r>
+              <a:rPr lang="en-US" dirty="0"/>
+              <a:t>on someone else's hardware</a:t>
+            </a:r>
+          </a:p>
+        </p:txBody>
+      </p:sp>
+    </p:spTree>
+    <p:extLst>
+      <p:ext uri="{BB962C8B-B14F-4D97-AF65-F5344CB8AC3E}">
+        <p14:creationId xmlns:p14="http://schemas.microsoft.com/office/powerpoint/2010/main" val="3592017735"/>
+      </p:ext>
+    </p:extLst>
+  </p:cSld>
+  <p:clrMapOvr>
+    <a:masterClrMapping/>
+  </p:clrMapOvr>
+</p:sld>
+</file>
+
+<file path=ppt/slides/slide15.xml><?xml version="1.0" encoding="utf-8"?>
+<p:sld xmlns:a="http://schemas.openxmlformats.org/drawingml/2006/main" xmlns:r="http://schemas.openxmlformats.org/officeDocument/2006/relationships" xmlns:p="http://schemas.openxmlformats.org/presentationml/2006/main">
+  <p:cSld>
+    <p:spTree>
+      <p:nvGrpSpPr>
+        <p:cNvPr id="1" name=""/>
+        <p:cNvGrpSpPr/>
+        <p:nvPr/>
+      </p:nvGrpSpPr>
+      <p:grpSpPr>
+        <a:xfrm>
+          <a:off x="0" y="0"/>
+          <a:ext cx="0" cy="0"/>
+          <a:chOff x="0" y="0"/>
+          <a:chExt cx="0" cy="0"/>
+        </a:xfrm>
+      </p:grpSpPr>
+      <p:sp>
+        <p:nvSpPr>
+          <p:cNvPr id="2" name="Title 1">
+            <a:extLst>
+              <a:ext uri="{FF2B5EF4-FFF2-40B4-BE49-F238E27FC236}">
+                <a16:creationId xmlns:a16="http://schemas.microsoft.com/office/drawing/2014/main" id="{0BB55573-6186-43AF-AFC0-26EB3AB2ECDD}"/>
+              </a:ext>
+            </a:extLst>
+          </p:cNvPr>
+          <p:cNvSpPr>
+            <a:spLocks noGrp="1"/>
+          </p:cNvSpPr>
+          <p:nvPr>
+            <p:ph type="title"/>
+          </p:nvPr>
+        </p:nvSpPr>
+        <p:spPr/>
+        <p:txBody>
+          <a:bodyPr/>
+          <a:lstStyle/>
+          <a:p>
+            <a:pPr algn="l"/>
+            <a:r>
+              <a:rPr lang="en-US" dirty="0"/>
+              <a:t>Security solution</a:t>
+            </a:r>
+          </a:p>
+        </p:txBody>
+      </p:sp>
+      <p:sp>
+        <p:nvSpPr>
+          <p:cNvPr id="3" name="Content Placeholder 2">
+            <a:extLst>
+              <a:ext uri="{FF2B5EF4-FFF2-40B4-BE49-F238E27FC236}">
+                <a16:creationId xmlns:a16="http://schemas.microsoft.com/office/drawing/2014/main" id="{13233695-2859-4B47-B88B-2CE0B145F38C}"/>
+              </a:ext>
+            </a:extLst>
+          </p:cNvPr>
+          <p:cNvSpPr>
+            <a:spLocks noGrp="1"/>
+          </p:cNvSpPr>
+          <p:nvPr>
+            <p:ph idx="1"/>
+          </p:nvPr>
+        </p:nvSpPr>
+        <p:spPr>
+          <a:xfrm>
+            <a:off x="670298" y="1751183"/>
+            <a:ext cx="5506567" cy="4374980"/>
+          </a:xfrm>
+        </p:spPr>
+        <p:txBody>
+          <a:bodyPr>
+            <a:normAutofit/>
+          </a:bodyPr>
+          <a:lstStyle/>
+          <a:p>
+            <a:r>
+              <a:rPr lang="en-US" sz="2000" dirty="0"/>
+              <a:t>Hope and prayers</a:t>
+            </a:r>
+          </a:p>
+          <a:p>
+            <a:r>
+              <a:rPr lang="en-US" sz="2000" dirty="0"/>
+              <a:t>Isolation</a:t>
+            </a:r>
+          </a:p>
+          <a:p>
+            <a:pPr lvl="1"/>
+            <a:r>
+              <a:rPr lang="en-US" dirty="0"/>
+              <a:t>A pipeline execution can only access one input dataset</a:t>
+            </a:r>
+          </a:p>
+          <a:p>
+            <a:pPr lvl="1"/>
+            <a:r>
+              <a:rPr lang="en-US" dirty="0"/>
+              <a:t>Teardown execution environment after each pipeline execution</a:t>
+            </a:r>
+          </a:p>
+          <a:p>
+            <a:r>
+              <a:rPr lang="en-US" sz="2000" dirty="0"/>
+              <a:t>End-user authentication</a:t>
+            </a:r>
+          </a:p>
+          <a:p>
+            <a:pPr lvl="1"/>
+            <a:r>
+              <a:rPr lang="en-US" dirty="0"/>
+              <a:t>Academic institution, ORCID credentials</a:t>
+            </a:r>
+          </a:p>
+        </p:txBody>
+      </p:sp>
+      <p:pic>
+        <p:nvPicPr>
+          <p:cNvPr id="5" name="Picture 4">
+            <a:extLst>
+              <a:ext uri="{FF2B5EF4-FFF2-40B4-BE49-F238E27FC236}">
+                <a16:creationId xmlns:a16="http://schemas.microsoft.com/office/drawing/2014/main" id="{5935FE87-29A4-4720-8070-4F16290F6B03}"/>
+              </a:ext>
+            </a:extLst>
+          </p:cNvPr>
+          <p:cNvPicPr>
+            <a:picLocks noChangeAspect="1"/>
+          </p:cNvPicPr>
+          <p:nvPr/>
+        </p:nvPicPr>
+        <p:blipFill>
+          <a:blip r:embed="rId2"/>
+          <a:stretch>
+            <a:fillRect/>
+          </a:stretch>
+        </p:blipFill>
+        <p:spPr>
+          <a:xfrm>
+            <a:off x="6338596" y="3178629"/>
+            <a:ext cx="2709942" cy="3555388"/>
+          </a:xfrm>
+          <a:prstGeom prst="rect">
+            <a:avLst/>
+          </a:prstGeom>
+        </p:spPr>
+      </p:pic>
+    </p:spTree>
+    <p:extLst>
+      <p:ext uri="{BB962C8B-B14F-4D97-AF65-F5344CB8AC3E}">
+        <p14:creationId xmlns:p14="http://schemas.microsoft.com/office/powerpoint/2010/main" val="979883767"/>
       </p:ext>
     </p:extLst>
   </p:cSld>
@@ -6729,14 +6725,14 @@
           </a:ln>
           <a:extLst>
             <a:ext uri="{909E8E84-426E-40dd-AFC4-6F175D3DCCD1}">
-              <a14:hiddenFill xmlns="" xmlns:a14="http://schemas.microsoft.com/office/drawing/2010/main">
+              <a14:hiddenFill xmlns:a14="http://schemas.microsoft.com/office/drawing/2010/main" xmlns="">
                 <a:solidFill>
                   <a:srgbClr val="FFFFFF"/>
                 </a:solidFill>
               </a14:hiddenFill>
             </a:ext>
             <a:ext uri="{91240B29-F687-4f45-9708-019B960494DF}">
-              <a14:hiddenLine xmlns="" xmlns:a14="http://schemas.microsoft.com/office/drawing/2010/main" w="9525">
+              <a14:hiddenLine xmlns:a14="http://schemas.microsoft.com/office/drawing/2010/main" xmlns="" w="9525">
                 <a:solidFill>
                   <a:srgbClr val="000000"/>
                 </a:solidFill>
@@ -6789,14 +6785,14 @@
           </a:ln>
           <a:extLst>
             <a:ext uri="{909E8E84-426E-40dd-AFC4-6F175D3DCCD1}">
-              <a14:hiddenFill xmlns="" xmlns:a14="http://schemas.microsoft.com/office/drawing/2010/main">
+              <a14:hiddenFill xmlns:a14="http://schemas.microsoft.com/office/drawing/2010/main" xmlns="">
                 <a:solidFill>
                   <a:srgbClr val="FFFFFF"/>
                 </a:solidFill>
               </a14:hiddenFill>
             </a:ext>
             <a:ext uri="{91240B29-F687-4f45-9708-019B960494DF}">
-              <a14:hiddenLine xmlns="" xmlns:a14="http://schemas.microsoft.com/office/drawing/2010/main" w="9525">
+              <a14:hiddenLine xmlns:a14="http://schemas.microsoft.com/office/drawing/2010/main" xmlns="" w="9525">
                 <a:solidFill>
                   <a:srgbClr val="000000"/>
                 </a:solidFill>
@@ -6978,14 +6974,14 @@
           </a:ln>
           <a:extLst>
             <a:ext uri="{909E8E84-426E-40dd-AFC4-6F175D3DCCD1}">
-              <a14:hiddenFill xmlns="" xmlns:a14="http://schemas.microsoft.com/office/drawing/2010/main">
+              <a14:hiddenFill xmlns:a14="http://schemas.microsoft.com/office/drawing/2010/main" xmlns="">
                 <a:solidFill>
                   <a:srgbClr val="FFFFFF"/>
                 </a:solidFill>
               </a14:hiddenFill>
             </a:ext>
             <a:ext uri="{91240B29-F687-4f45-9708-019B960494DF}">
-              <a14:hiddenLine xmlns="" xmlns:a14="http://schemas.microsoft.com/office/drawing/2010/main" w="9525">
+              <a14:hiddenLine xmlns:a14="http://schemas.microsoft.com/office/drawing/2010/main" xmlns="" w="9525">
                 <a:solidFill>
                   <a:srgbClr val="000000"/>
                 </a:solidFill>
@@ -7038,14 +7034,14 @@
           </a:ln>
           <a:extLst>
             <a:ext uri="{909E8E84-426E-40dd-AFC4-6F175D3DCCD1}">
-              <a14:hiddenFill xmlns="" xmlns:a14="http://schemas.microsoft.com/office/drawing/2010/main">
+              <a14:hiddenFill xmlns:a14="http://schemas.microsoft.com/office/drawing/2010/main" xmlns="">
                 <a:solidFill>
                   <a:srgbClr val="FFFFFF"/>
                 </a:solidFill>
               </a14:hiddenFill>
             </a:ext>
             <a:ext uri="{91240B29-F687-4f45-9708-019B960494DF}">
-              <a14:hiddenLine xmlns="" xmlns:a14="http://schemas.microsoft.com/office/drawing/2010/main" w="9525">
+              <a14:hiddenLine xmlns:a14="http://schemas.microsoft.com/office/drawing/2010/main" xmlns="" w="9525">
                 <a:solidFill>
                   <a:srgbClr val="000000"/>
                 </a:solidFill>
@@ -7553,7 +7549,7 @@
           <a:p>
             <a:r>
               <a:rPr lang="en-US" dirty="0"/>
-              <a:t>You(r) students could implement this</a:t>
+              <a:t>You could implement this</a:t>
             </a:r>
           </a:p>
           <a:p>
@@ -8422,15 +8418,7 @@
             <a:pPr lvl="1"/>
             <a:r>
               <a:rPr lang="en-US" dirty="0"/>
-              <a:t>Old idea: </a:t>
-            </a:r>
-            <a:r>
-              <a:rPr lang="en-US" strike="sngStrike" dirty="0"/>
-              <a:t>IBM VM/370 released in 1972</a:t>
-            </a:r>
-            <a:r>
-              <a:rPr lang="en-US" dirty="0"/>
-              <a:t> Euclid 300BC</a:t>
+              <a:t>Old idea: IBM VM/370 released in 1972</a:t>
             </a:r>
           </a:p>
           <a:p>
@@ -8811,7 +8799,7 @@
             <a:pPr lvl="1"/>
             <a:r>
               <a:rPr lang="en-US" dirty="0"/>
-              <a:t>Security: …as explained by keynote</a:t>
+              <a:t>Security</a:t>
             </a:r>
           </a:p>
         </p:txBody>
@@ -9586,7 +9574,7 @@
             </a:r>
             <a:r>
               <a:rPr lang="en-US" dirty="0"/>
-              <a:t>: 3393 bioinformatics tool containers</a:t>
+              <a:t>: 3393 bioinformatics tool containers (Nov. 2018)</a:t>
             </a:r>
           </a:p>
           <a:p>
